--- a/Final Presentation jarischnell.pptx
+++ b/Final Presentation jarischnell.pptx
@@ -7010,7 +7010,7 @@
           <a:p>
             <a:r>
               <a:rPr lang="en-CH" sz="3200" dirty="0"/>
-              <a:t>Solving climate should be a piece of cake</a:t>
+              <a:t>Solving climate change should be a piece of cake</a:t>
             </a:r>
           </a:p>
         </p:txBody>
@@ -7042,6 +7042,9 @@
             <a:normAutofit/>
           </a:bodyPr>
           <a:lstStyle/>
+          <a:p>
+            <a:endParaRPr lang="en-CH" dirty="0"/>
+          </a:p>
           <a:p>
             <a:endParaRPr lang="en-CH" dirty="0"/>
           </a:p>
@@ -7617,7 +7620,21 @@
                 <a:latin typeface="Calibri" panose="020F0502020204030204" pitchFamily="34" charset="0"/>
                 <a:cs typeface="Times New Roman" panose="02020603050405020304" pitchFamily="18" charset="0"/>
               </a:rPr>
-              <a:t>People don’t know how to save electricity because they don’t want to know.</a:t>
+              <a:t>People don’t know how to save electricity because they don’t </a:t>
+            </a:r>
+            <a:r>
+              <a:rPr lang="en-CH" sz="2400" b="1" dirty="0">
+                <a:latin typeface="Calibri" panose="020F0502020204030204" pitchFamily="34" charset="0"/>
+                <a:cs typeface="Times New Roman" panose="02020603050405020304" pitchFamily="18" charset="0"/>
+              </a:rPr>
+              <a:t>want</a:t>
+            </a:r>
+            <a:r>
+              <a:rPr lang="en-CH" sz="2400" dirty="0">
+                <a:latin typeface="Calibri" panose="020F0502020204030204" pitchFamily="34" charset="0"/>
+                <a:cs typeface="Times New Roman" panose="02020603050405020304" pitchFamily="18" charset="0"/>
+              </a:rPr>
+              <a:t> to know.</a:t>
             </a:r>
           </a:p>
           <a:p>
@@ -7628,7 +7645,25 @@
                 <a:ea typeface="Calibri" panose="020F0502020204030204" pitchFamily="34" charset="0"/>
                 <a:cs typeface="Times New Roman" panose="02020603050405020304" pitchFamily="18" charset="0"/>
               </a:rPr>
-              <a:t>How can we motivate the users to save electricity? </a:t>
+              <a:t>How can we </a:t>
+            </a:r>
+            <a:r>
+              <a:rPr lang="en-CH" sz="2400" b="1" dirty="0">
+                <a:effectLst/>
+                <a:latin typeface="Calibri" panose="020F0502020204030204" pitchFamily="34" charset="0"/>
+                <a:ea typeface="Calibri" panose="020F0502020204030204" pitchFamily="34" charset="0"/>
+                <a:cs typeface="Times New Roman" panose="02020603050405020304" pitchFamily="18" charset="0"/>
+              </a:rPr>
+              <a:t>motivate</a:t>
+            </a:r>
+            <a:r>
+              <a:rPr lang="en-CH" sz="2400" dirty="0">
+                <a:effectLst/>
+                <a:latin typeface="Calibri" panose="020F0502020204030204" pitchFamily="34" charset="0"/>
+                <a:ea typeface="Calibri" panose="020F0502020204030204" pitchFamily="34" charset="0"/>
+                <a:cs typeface="Times New Roman" panose="02020603050405020304" pitchFamily="18" charset="0"/>
+              </a:rPr>
+              <a:t> the users to save electricity? </a:t>
             </a:r>
             <a:br>
               <a:rPr lang="en-CH" sz="2400" dirty="0">
@@ -7645,7 +7680,25 @@
                 <a:ea typeface="Calibri" panose="020F0502020204030204" pitchFamily="34" charset="0"/>
                 <a:cs typeface="Times New Roman" panose="02020603050405020304" pitchFamily="18" charset="0"/>
               </a:rPr>
-              <a:t>So that they want to learn how to save electricity</a:t>
+              <a:t>So that they </a:t>
+            </a:r>
+            <a:r>
+              <a:rPr lang="en-CH" sz="2400" b="1" dirty="0">
+                <a:effectLst/>
+                <a:latin typeface="Calibri" panose="020F0502020204030204" pitchFamily="34" charset="0"/>
+                <a:ea typeface="Calibri" panose="020F0502020204030204" pitchFamily="34" charset="0"/>
+                <a:cs typeface="Times New Roman" panose="02020603050405020304" pitchFamily="18" charset="0"/>
+              </a:rPr>
+              <a:t>want to learn </a:t>
+            </a:r>
+            <a:r>
+              <a:rPr lang="en-CH" sz="2400" dirty="0">
+                <a:effectLst/>
+                <a:latin typeface="Calibri" panose="020F0502020204030204" pitchFamily="34" charset="0"/>
+                <a:ea typeface="Calibri" panose="020F0502020204030204" pitchFamily="34" charset="0"/>
+                <a:cs typeface="Times New Roman" panose="02020603050405020304" pitchFamily="18" charset="0"/>
+              </a:rPr>
+              <a:t>how to save electricity</a:t>
             </a:r>
             <a:r>
               <a:rPr lang="en-CH" sz="1800" dirty="0">
@@ -8848,12 +8901,6 @@
 </file>
 
 <file path=customXml/item2.xml><?xml version="1.0" encoding="utf-8"?>
-<p:properties xmlns:p="http://schemas.microsoft.com/office/2006/metadata/properties" xmlns:xsi="http://www.w3.org/2001/XMLSchema-instance" xmlns:pc="http://schemas.microsoft.com/office/infopath/2007/PartnerControls">
-  <documentManagement/>
-</p:properties>
-</file>
-
-<file path=customXml/item3.xml><?xml version="1.0" encoding="utf-8"?>
 <ct:contentTypeSchema xmlns:ct="http://schemas.microsoft.com/office/2006/metadata/contentType" xmlns:ma="http://schemas.microsoft.com/office/2006/metadata/properties/metaAttributes" ct:_="" ma:_="" ma:contentTypeName="Dokument" ma:contentTypeID="0x01010002C03650317BE04E8B550F84F9E26291" ma:contentTypeVersion="5" ma:contentTypeDescription="Ein neues Dokument erstellen." ma:contentTypeScope="" ma:versionID="36a4c4025e7f25860b962b17d4e22f6e">
   <xsd:schema xmlns:xsd="http://www.w3.org/2001/XMLSchema" xmlns:xs="http://www.w3.org/2001/XMLSchema" xmlns:p="http://schemas.microsoft.com/office/2006/metadata/properties" xmlns:ns2="4e243afc-3f3c-4d93-91b4-f0e5f557b62b" targetNamespace="http://schemas.microsoft.com/office/2006/metadata/properties" ma:root="true" ma:fieldsID="aa5ada89f0e270322b9d7070c79bf99a" ns2:_="">
     <xsd:import namespace="4e243afc-3f3c-4d93-91b4-f0e5f557b62b"/>
@@ -9003,6 +9050,12 @@
 </ct:contentTypeSchema>
 </file>
 
+<file path=customXml/item3.xml><?xml version="1.0" encoding="utf-8"?>
+<p:properties xmlns:p="http://schemas.microsoft.com/office/2006/metadata/properties" xmlns:xsi="http://www.w3.org/2001/XMLSchema-instance" xmlns:pc="http://schemas.microsoft.com/office/infopath/2007/PartnerControls">
+  <documentManagement/>
+</p:properties>
+</file>
+
 <file path=customXml/itemProps1.xml><?xml version="1.0" encoding="utf-8"?>
 <ds:datastoreItem xmlns:ds="http://schemas.openxmlformats.org/officeDocument/2006/customXml" ds:itemID="{62E354FD-AA19-43A4-B274-F5043BB5EA21}">
   <ds:schemaRefs>
@@ -9012,22 +9065,6 @@
 </file>
 
 <file path=customXml/itemProps2.xml><?xml version="1.0" encoding="utf-8"?>
-<ds:datastoreItem xmlns:ds="http://schemas.openxmlformats.org/officeDocument/2006/customXml" ds:itemID="{8F289F0C-7731-4D1E-94B6-5918857FF25D}">
-  <ds:schemaRefs>
-    <ds:schemaRef ds:uri="4e243afc-3f3c-4d93-91b4-f0e5f557b62b"/>
-    <ds:schemaRef ds:uri="http://purl.org/dc/dcmitype/"/>
-    <ds:schemaRef ds:uri="http://purl.org/dc/elements/1.1/"/>
-    <ds:schemaRef ds:uri="http://purl.org/dc/terms/"/>
-    <ds:schemaRef ds:uri="http://schemas.microsoft.com/office/2006/documentManagement/types"/>
-    <ds:schemaRef ds:uri="http://schemas.microsoft.com/office/2006/metadata/properties"/>
-    <ds:schemaRef ds:uri="http://schemas.microsoft.com/office/infopath/2007/PartnerControls"/>
-    <ds:schemaRef ds:uri="http://schemas.openxmlformats.org/package/2006/metadata/core-properties"/>
-    <ds:schemaRef ds:uri="http://www.w3.org/XML/1998/namespace"/>
-  </ds:schemaRefs>
-</ds:datastoreItem>
-</file>
-
-<file path=customXml/itemProps3.xml><?xml version="1.0" encoding="utf-8"?>
 <ds:datastoreItem xmlns:ds="http://schemas.openxmlformats.org/officeDocument/2006/customXml" ds:itemID="{1F9E11AA-DF12-4ED5-A234-2273307068E3}">
   <ds:schemaRefs>
     <ds:schemaRef ds:uri="4e243afc-3f3c-4d93-91b4-f0e5f557b62b"/>
@@ -9043,4 +9080,20 @@
     <ds:schemaRef ds:uri="http://www.w3.org/2001/XMLSchema"/>
   </ds:schemaRefs>
 </ds:datastoreItem>
+</file>
+
+<file path=customXml/itemProps3.xml><?xml version="1.0" encoding="utf-8"?>
+<ds:datastoreItem xmlns:ds="http://schemas.openxmlformats.org/officeDocument/2006/customXml" ds:itemID="{8F289F0C-7731-4D1E-94B6-5918857FF25D}">
+  <ds:schemaRefs>
+    <ds:schemaRef ds:uri="http://schemas.microsoft.com/office/2006/documentManagement/types"/>
+    <ds:schemaRef ds:uri="http://purl.org/dc/terms/"/>
+    <ds:schemaRef ds:uri="http://purl.org/dc/elements/1.1/"/>
+    <ds:schemaRef ds:uri="http://www.w3.org/XML/1998/namespace"/>
+    <ds:schemaRef ds:uri="http://schemas.openxmlformats.org/package/2006/metadata/core-properties"/>
+    <ds:schemaRef ds:uri="http://purl.org/dc/dcmitype/"/>
+    <ds:schemaRef ds:uri="http://schemas.microsoft.com/office/infopath/2007/PartnerControls"/>
+    <ds:schemaRef ds:uri="4e243afc-3f3c-4d93-91b4-f0e5f557b62b"/>
+    <ds:schemaRef ds:uri="http://schemas.microsoft.com/office/2006/metadata/properties"/>
+  </ds:schemaRefs>
+</ds:datastoreItem>
 </file>